--- a/the gym.pptx
+++ b/the gym.pptx
@@ -5,15 +5,18 @@
     <p:sldMasterId id="2147483648" r:id="rId1"/>
   </p:sldMasterIdLst>
   <p:notesMasterIdLst>
-    <p:notesMasterId r:id="rId6"/>
+    <p:notesMasterId r:id="rId9"/>
   </p:notesMasterIdLst>
   <p:handoutMasterIdLst>
-    <p:handoutMasterId r:id="rId7"/>
+    <p:handoutMasterId r:id="rId10"/>
   </p:handoutMasterIdLst>
   <p:sldIdLst>
     <p:sldId id="256" r:id="rId3"/>
     <p:sldId id="257" r:id="rId4"/>
     <p:sldId id="258" r:id="rId5"/>
+    <p:sldId id="259" r:id="rId6"/>
+    <p:sldId id="260" r:id="rId7"/>
+    <p:sldId id="261" r:id="rId8"/>
   </p:sldIdLst>
   <p:sldSz cx="12192000" cy="6858000"/>
   <p:notesSz cx="7103745" cy="10234295"/>
@@ -3832,6 +3835,245 @@
               <a:t>3</a:t>
             </a:r>
             <a:endParaRPr lang="fr-FR" altLang="en-US"/>
+          </a:p>
+        </p:txBody>
+      </p:sp>
+    </p:spTree>
+  </p:cSld>
+  <p:clrMapOvr>
+    <a:masterClrMapping/>
+  </p:clrMapOvr>
+</p:sld>
+</file>
+
+<file path=ppt/slides/slide4.xml><?xml version="1.0" encoding="utf-8"?>
+<p:sld xmlns:a="http://schemas.openxmlformats.org/drawingml/2006/main" xmlns:r="http://schemas.openxmlformats.org/officeDocument/2006/relationships" xmlns:p="http://schemas.openxmlformats.org/presentationml/2006/main">
+  <p:cSld>
+    <p:spTree>
+      <p:nvGrpSpPr>
+        <p:cNvPr id="1" name=""/>
+        <p:cNvGrpSpPr/>
+        <p:nvPr/>
+      </p:nvGrpSpPr>
+      <p:grpSpPr/>
+      <p:sp>
+        <p:nvSpPr>
+          <p:cNvPr id="2" name="Titre 1"/>
+          <p:cNvSpPr>
+            <a:spLocks noGrp="1"/>
+          </p:cNvSpPr>
+          <p:nvPr>
+            <p:ph type="title"/>
+          </p:nvPr>
+        </p:nvSpPr>
+        <p:spPr/>
+        <p:txBody>
+          <a:bodyPr/>
+          <a:p>
+            <a:r>
+              <a:rPr lang="fr-FR" altLang="en-US" sz="6600">
+                <a:solidFill>
+                  <a:srgbClr val="C00000"/>
+                </a:solidFill>
+              </a:rPr>
+              <a:t>Diagramme de classe : </a:t>
+            </a:r>
+            <a:endParaRPr lang="fr-FR" altLang="en-US" sz="6600">
+              <a:solidFill>
+                <a:srgbClr val="C00000"/>
+              </a:solidFill>
+            </a:endParaRPr>
+          </a:p>
+        </p:txBody>
+      </p:sp>
+      <p:sp>
+        <p:nvSpPr>
+          <p:cNvPr id="3" name="Espace réservé du contenu 2"/>
+          <p:cNvSpPr>
+            <a:spLocks noGrp="1"/>
+          </p:cNvSpPr>
+          <p:nvPr>
+            <p:ph idx="1"/>
+          </p:nvPr>
+        </p:nvSpPr>
+        <p:spPr/>
+        <p:txBody>
+          <a:bodyPr/>
+          <a:p>
+            <a:endParaRPr lang="fr-FR" altLang="en-US"/>
+          </a:p>
+        </p:txBody>
+      </p:sp>
+      <p:pic>
+        <p:nvPicPr>
+          <p:cNvPr id="4" name="Image 3" descr="diagramme de classe"/>
+          <p:cNvPicPr>
+            <a:picLocks noChangeAspect="1"/>
+          </p:cNvPicPr>
+          <p:nvPr/>
+        </p:nvPicPr>
+        <p:blipFill>
+          <a:blip r:embed="rId1"/>
+          <a:stretch>
+            <a:fillRect/>
+          </a:stretch>
+        </p:blipFill>
+        <p:spPr>
+          <a:xfrm>
+            <a:off x="647700" y="1584325"/>
+            <a:ext cx="10625455" cy="5206365"/>
+          </a:xfrm>
+          <a:prstGeom prst="rect">
+            <a:avLst/>
+          </a:prstGeom>
+        </p:spPr>
+      </p:pic>
+    </p:spTree>
+  </p:cSld>
+  <p:clrMapOvr>
+    <a:masterClrMapping/>
+  </p:clrMapOvr>
+</p:sld>
+</file>
+
+<file path=ppt/slides/slide5.xml><?xml version="1.0" encoding="utf-8"?>
+<p:sld xmlns:a="http://schemas.openxmlformats.org/drawingml/2006/main" xmlns:r="http://schemas.openxmlformats.org/officeDocument/2006/relationships" xmlns:p="http://schemas.openxmlformats.org/presentationml/2006/main">
+  <p:cSld>
+    <p:spTree>
+      <p:nvGrpSpPr>
+        <p:cNvPr id="1" name=""/>
+        <p:cNvGrpSpPr/>
+        <p:nvPr/>
+      </p:nvGrpSpPr>
+      <p:grpSpPr/>
+      <p:sp>
+        <p:nvSpPr>
+          <p:cNvPr id="2" name="Titre 1"/>
+          <p:cNvSpPr>
+            <a:spLocks noGrp="1"/>
+          </p:cNvSpPr>
+          <p:nvPr>
+            <p:ph type="title"/>
+          </p:nvPr>
+        </p:nvSpPr>
+        <p:spPr/>
+        <p:txBody>
+          <a:bodyPr/>
+          <a:p>
+            <a:r>
+              <a:rPr lang="fr-FR" altLang="en-US" sz="6000">
+                <a:solidFill>
+                  <a:srgbClr val="FF0000"/>
+                </a:solidFill>
+              </a:rPr>
+              <a:t>Diagramme de cas d’utlisation:</a:t>
+            </a:r>
+            <a:endParaRPr lang="fr-FR" altLang="en-US" sz="6000">
+              <a:solidFill>
+                <a:srgbClr val="FF0000"/>
+              </a:solidFill>
+            </a:endParaRPr>
+          </a:p>
+        </p:txBody>
+      </p:sp>
+      <p:sp>
+        <p:nvSpPr>
+          <p:cNvPr id="3" name="Espace réservé du contenu 2"/>
+          <p:cNvSpPr>
+            <a:spLocks noGrp="1"/>
+          </p:cNvSpPr>
+          <p:nvPr>
+            <p:ph idx="1"/>
+          </p:nvPr>
+        </p:nvSpPr>
+        <p:spPr/>
+        <p:txBody>
+          <a:bodyPr/>
+          <a:p>
+            <a:endParaRPr lang="fr-FR" altLang="en-US"/>
+          </a:p>
+        </p:txBody>
+      </p:sp>
+      <p:pic>
+        <p:nvPicPr>
+          <p:cNvPr id="4" name="Image 3" descr="Sous-modÃ¨le1"/>
+          <p:cNvPicPr>
+            <a:picLocks noChangeAspect="1"/>
+          </p:cNvPicPr>
+          <p:nvPr/>
+        </p:nvPicPr>
+        <p:blipFill>
+          <a:blip r:embed="rId1"/>
+          <a:stretch>
+            <a:fillRect/>
+          </a:stretch>
+        </p:blipFill>
+        <p:spPr>
+          <a:xfrm>
+            <a:off x="431800" y="1825625"/>
+            <a:ext cx="10898505" cy="4780280"/>
+          </a:xfrm>
+          <a:prstGeom prst="rect">
+            <a:avLst/>
+          </a:prstGeom>
+        </p:spPr>
+      </p:pic>
+    </p:spTree>
+  </p:cSld>
+  <p:clrMapOvr>
+    <a:masterClrMapping/>
+  </p:clrMapOvr>
+</p:sld>
+</file>
+
+<file path=ppt/slides/slide6.xml><?xml version="1.0" encoding="utf-8"?>
+<p:sld xmlns:a="http://schemas.openxmlformats.org/drawingml/2006/main" xmlns:r="http://schemas.openxmlformats.org/officeDocument/2006/relationships" xmlns:p="http://schemas.openxmlformats.org/presentationml/2006/main">
+  <p:cSld>
+    <p:spTree>
+      <p:nvGrpSpPr>
+        <p:cNvPr id="1" name=""/>
+        <p:cNvGrpSpPr/>
+        <p:nvPr/>
+      </p:nvGrpSpPr>
+      <p:grpSpPr/>
+      <p:sp>
+        <p:nvSpPr>
+          <p:cNvPr id="3" name="Espace réservé du contenu 2"/>
+          <p:cNvSpPr>
+            <a:spLocks noGrp="1"/>
+          </p:cNvSpPr>
+          <p:nvPr>
+            <p:ph idx="1"/>
+          </p:nvPr>
+        </p:nvSpPr>
+        <p:spPr>
+          <a:xfrm>
+            <a:off x="2667000" y="2901315"/>
+            <a:ext cx="5920105" cy="1684020"/>
+          </a:xfrm>
+        </p:spPr>
+        <p:txBody>
+          <a:bodyPr>
+            <a:normAutofit/>
+          </a:bodyPr>
+          <a:p>
+            <a:r>
+              <a:rPr lang="fr-FR" altLang="en-US" sz="8800"/>
+              <a:t>		</a:t>
+            </a:r>
+            <a:r>
+              <a:rPr lang="fr-FR" altLang="en-US" sz="9600">
+                <a:solidFill>
+                  <a:srgbClr val="FF0000"/>
+                </a:solidFill>
+              </a:rPr>
+              <a:t>merci</a:t>
+            </a:r>
+            <a:endParaRPr lang="fr-FR" altLang="en-US" sz="9600">
+              <a:solidFill>
+                <a:srgbClr val="FF0000"/>
+              </a:solidFill>
+            </a:endParaRPr>
           </a:p>
         </p:txBody>
       </p:sp>
